--- a/slides/lec4-ch1-v2.pptx
+++ b/slides/lec4-ch1-v2.pptx
@@ -18001,7 +18001,12 @@
             <p:ph type="title"/>
           </p:nvPr>
         </p:nvSpPr>
-        <p:spPr/>
+        <p:spPr>
+          <a:xfrm>
+            <a:off x="1219200" y="833036"/>
+            <a:ext cx="6705600" cy="563034"/>
+          </a:xfrm>
+        </p:spPr>
         <p:txBody>
           <a:bodyPr/>
           <a:lstStyle/>
@@ -18028,8 +18033,8 @@
         </p:nvSpPr>
         <p:spPr>
           <a:xfrm>
-            <a:off x="2133600" y="1828800"/>
-            <a:ext cx="5825067" cy="3048000"/>
+            <a:off x="694708" y="1650673"/>
+            <a:ext cx="8033656" cy="3048000"/>
           </a:xfrm>
         </p:spPr>
         <p:txBody>
@@ -18042,19 +18047,93 @@
               </a:spcBef>
             </a:pPr>
             <a:r>
-              <a:rPr lang="en-US" altLang="ko-KR">
+              <a:rPr lang="en-US" altLang="ko-KR" dirty="0">
                 <a:latin typeface="Palatino" pitchFamily="-128" charset="0"/>
                 <a:ea typeface="굴림" panose="020B0600000101010101" pitchFamily="50" charset="-127"/>
               </a:rPr>
-              <a:t>1: </a:t>
-            </a:r>
-            <a:r>
-              <a:rPr lang="en-US" altLang="ko-KR" i="1">
+              <a:t>1: The Reason It All Exists  </a:t>
+            </a:r>
+            <a:r>
+              <a:rPr lang="en-US" altLang="ko-KR" sz="2000" i="1" dirty="0">
                 <a:latin typeface="Palatino" pitchFamily="-128" charset="0"/>
                 <a:ea typeface="굴림" panose="020B0600000101010101" pitchFamily="50" charset="-127"/>
               </a:rPr>
-              <a:t>The Reason It All Exists</a:t>
-            </a:r>
+              <a:t>– to</a:t>
+            </a:r>
+            <a:r>
+              <a:rPr lang="ko-KR" altLang="en-US" sz="2000" i="1" dirty="0">
+                <a:latin typeface="Palatino" pitchFamily="-128" charset="0"/>
+                <a:ea typeface="굴림" panose="020B0600000101010101" pitchFamily="50" charset="-127"/>
+              </a:rPr>
+              <a:t> </a:t>
+            </a:r>
+            <a:r>
+              <a:rPr lang="en-US" altLang="ko-KR" sz="2000" i="1" dirty="0">
+                <a:latin typeface="Palatino" pitchFamily="-128" charset="0"/>
+                <a:ea typeface="굴림" panose="020B0600000101010101" pitchFamily="50" charset="-127"/>
+              </a:rPr>
+              <a:t>provide</a:t>
+            </a:r>
+            <a:r>
+              <a:rPr lang="ko-KR" altLang="en-US" sz="2000" i="1" dirty="0">
+                <a:latin typeface="Palatino" pitchFamily="-128" charset="0"/>
+                <a:ea typeface="굴림" panose="020B0600000101010101" pitchFamily="50" charset="-127"/>
+              </a:rPr>
+              <a:t> </a:t>
+            </a:r>
+            <a:r>
+              <a:rPr lang="en-US" altLang="ko-KR" sz="2000" i="1" dirty="0">
+                <a:latin typeface="Palatino" pitchFamily="-128" charset="0"/>
+                <a:ea typeface="굴림" panose="020B0600000101010101" pitchFamily="50" charset="-127"/>
+              </a:rPr>
+              <a:t>value</a:t>
+            </a:r>
+            <a:r>
+              <a:rPr lang="ko-KR" altLang="en-US" sz="2000" i="1" dirty="0">
+                <a:latin typeface="Palatino" pitchFamily="-128" charset="0"/>
+                <a:ea typeface="굴림" panose="020B0600000101010101" pitchFamily="50" charset="-127"/>
+              </a:rPr>
+              <a:t> </a:t>
+            </a:r>
+            <a:r>
+              <a:rPr lang="en-US" altLang="ko-KR" sz="2000" i="1" dirty="0">
+                <a:latin typeface="Palatino" pitchFamily="-128" charset="0"/>
+                <a:ea typeface="굴림" panose="020B0600000101010101" pitchFamily="50" charset="-127"/>
+              </a:rPr>
+              <a:t>to</a:t>
+            </a:r>
+            <a:r>
+              <a:rPr lang="ko-KR" altLang="en-US" sz="2000" i="1" dirty="0">
+                <a:latin typeface="Palatino" pitchFamily="-128" charset="0"/>
+                <a:ea typeface="굴림" panose="020B0600000101010101" pitchFamily="50" charset="-127"/>
+              </a:rPr>
+              <a:t> </a:t>
+            </a:r>
+            <a:r>
+              <a:rPr lang="en-US" altLang="ko-KR" sz="2000" i="1" dirty="0">
+                <a:latin typeface="Palatino" pitchFamily="-128" charset="0"/>
+                <a:ea typeface="굴림" panose="020B0600000101010101" pitchFamily="50" charset="-127"/>
+              </a:rPr>
+              <a:t>its</a:t>
+            </a:r>
+            <a:r>
+              <a:rPr lang="ko-KR" altLang="en-US" sz="2000" i="1" dirty="0">
+                <a:latin typeface="Palatino" pitchFamily="-128" charset="0"/>
+                <a:ea typeface="굴림" panose="020B0600000101010101" pitchFamily="50" charset="-127"/>
+              </a:rPr>
+              <a:t> </a:t>
+            </a:r>
+            <a:r>
+              <a:rPr lang="en-US" altLang="ko-KR" sz="2000" i="1" dirty="0">
+                <a:latin typeface="Palatino" pitchFamily="-128" charset="0"/>
+                <a:ea typeface="굴림" panose="020B0600000101010101" pitchFamily="50" charset="-127"/>
+              </a:rPr>
+              <a:t>users</a:t>
+            </a:r>
+            <a:endParaRPr lang="en-US" altLang="ko-KR" i="1" dirty="0">
+              <a:latin typeface="Palatino" pitchFamily="-128" charset="0"/>
+              <a:ea typeface="굴림" panose="020B0600000101010101" pitchFamily="50" charset="-127"/>
+            </a:endParaRPr>
           </a:p>
           <a:p>
             <a:pPr eaLnBrk="1" hangingPunct="1">
@@ -18063,53 +18142,36 @@
               </a:spcBef>
             </a:pPr>
             <a:r>
-              <a:rPr lang="en-US" altLang="ko-KR">
+              <a:rPr lang="en-US" altLang="ko-KR" dirty="0">
                 <a:solidFill>
                   <a:srgbClr val="000000"/>
                 </a:solidFill>
                 <a:latin typeface="Palatino" pitchFamily="-128" charset="0"/>
                 <a:ea typeface="굴림" panose="020B0600000101010101" pitchFamily="50" charset="-127"/>
               </a:rPr>
-              <a:t>2: </a:t>
-            </a:r>
-            <a:r>
-              <a:rPr lang="en-US" altLang="ko-KR" i="1">
+              <a:t>2: KISS (Keep It Simple, Stupid!) </a:t>
+            </a:r>
+            <a:r>
+              <a:rPr lang="en-US" altLang="ko-KR" sz="2000" dirty="0">
                 <a:solidFill>
                   <a:srgbClr val="000000"/>
                 </a:solidFill>
                 <a:latin typeface="Palatino" pitchFamily="-128" charset="0"/>
                 <a:ea typeface="굴림" panose="020B0600000101010101" pitchFamily="50" charset="-127"/>
               </a:rPr>
-              <a:t>KISS (Keep It Simple, Stupid!)</a:t>
-            </a:r>
-          </a:p>
-          <a:p>
-            <a:pPr eaLnBrk="1" hangingPunct="1">
-              <a:spcBef>
-                <a:spcPts val="533"/>
-              </a:spcBef>
-            </a:pPr>
-            <a:r>
-              <a:rPr lang="en-US" altLang="ko-KR">
+              <a:t>– </a:t>
+            </a:r>
+            <a:r>
+              <a:rPr lang="en-US" altLang="ko-KR" sz="2000" i="1" dirty="0">
                 <a:solidFill>
                   <a:srgbClr val="000000"/>
                 </a:solidFill>
                 <a:latin typeface="Palatino" pitchFamily="-128" charset="0"/>
                 <a:ea typeface="굴림" panose="020B0600000101010101" pitchFamily="50" charset="-127"/>
               </a:rPr>
-              <a:t>3: </a:t>
-            </a:r>
-            <a:r>
-              <a:rPr lang="en-US" altLang="ko-KR" i="1">
-                <a:solidFill>
-                  <a:srgbClr val="000000"/>
-                </a:solidFill>
-                <a:latin typeface="Palatino" pitchFamily="-128" charset="0"/>
-                <a:ea typeface="굴림" panose="020B0600000101010101" pitchFamily="50" charset="-127"/>
-              </a:rPr>
-              <a:t>Maintain the Vision</a:t>
-            </a:r>
-            <a:endParaRPr lang="en-US" altLang="ko-KR">
+              <a:t>a lot of thought and work over multiple iterations to simplify the design</a:t>
+            </a:r>
+            <a:endParaRPr lang="en-US" altLang="ko-KR" i="1" dirty="0">
               <a:solidFill>
                 <a:srgbClr val="000000"/>
               </a:solidFill>
@@ -18124,35 +18186,42 @@
               </a:spcBef>
             </a:pPr>
             <a:r>
-              <a:rPr lang="en-US" altLang="ko-KR">
+              <a:rPr lang="en-US" altLang="ko-KR" dirty="0">
                 <a:solidFill>
                   <a:srgbClr val="000000"/>
                 </a:solidFill>
                 <a:latin typeface="Palatino" pitchFamily="-128" charset="0"/>
                 <a:ea typeface="굴림" panose="020B0600000101010101" pitchFamily="50" charset="-127"/>
               </a:rPr>
-              <a:t>4: </a:t>
-            </a:r>
-            <a:r>
-              <a:rPr lang="en-US" altLang="ko-KR" i="1">
+              <a:t>3: Maintain the Vision </a:t>
+            </a:r>
+            <a:r>
+              <a:rPr lang="en-US" altLang="ko-KR" sz="2000" dirty="0">
                 <a:solidFill>
                   <a:srgbClr val="000000"/>
                 </a:solidFill>
                 <a:latin typeface="Palatino" pitchFamily="-128" charset="0"/>
                 <a:ea typeface="굴림" panose="020B0600000101010101" pitchFamily="50" charset="-127"/>
               </a:rPr>
-              <a:t>What You Produce, Others Will Consume</a:t>
-            </a:r>
-            <a:r>
-              <a:rPr lang="en-US" altLang="ko-KR">
+              <a:t>– </a:t>
+            </a:r>
+            <a:r>
+              <a:rPr lang="en-US" altLang="ko-KR" sz="2000" i="1" dirty="0">
                 <a:solidFill>
                   <a:srgbClr val="000000"/>
                 </a:solidFill>
                 <a:latin typeface="Palatino" pitchFamily="-128" charset="0"/>
                 <a:ea typeface="굴림" panose="020B0600000101010101" pitchFamily="50" charset="-127"/>
               </a:rPr>
-              <a:t> </a:t>
-            </a:r>
+              <a:t>w/o conceptual integrity, a system become a patchwork of incompatible designs</a:t>
+            </a:r>
+            <a:endParaRPr lang="en-US" altLang="ko-KR" i="1" dirty="0">
+              <a:solidFill>
+                <a:srgbClr val="000000"/>
+              </a:solidFill>
+              <a:latin typeface="Palatino" pitchFamily="-128" charset="0"/>
+              <a:ea typeface="굴림" panose="020B0600000101010101" pitchFamily="50" charset="-127"/>
+            </a:endParaRPr>
           </a:p>
           <a:p>
             <a:pPr eaLnBrk="1" hangingPunct="1">
@@ -18161,35 +18230,32 @@
               </a:spcBef>
             </a:pPr>
             <a:r>
-              <a:rPr lang="en-US" altLang="ko-KR">
+              <a:rPr lang="en-US" altLang="ko-KR" dirty="0">
                 <a:solidFill>
                   <a:srgbClr val="000000"/>
                 </a:solidFill>
                 <a:latin typeface="Palatino" pitchFamily="-128" charset="0"/>
                 <a:ea typeface="굴림" panose="020B0600000101010101" pitchFamily="50" charset="-127"/>
               </a:rPr>
-              <a:t>5: </a:t>
-            </a:r>
-            <a:r>
-              <a:rPr lang="en-US" altLang="ko-KR" i="1">
+              <a:t>4: What You Produce, Others Will Consume </a:t>
+            </a:r>
+            <a:r>
+              <a:rPr lang="en-US" altLang="ko-KR" sz="2000" i="1" dirty="0">
                 <a:solidFill>
                   <a:srgbClr val="000000"/>
                 </a:solidFill>
                 <a:latin typeface="Palatino" pitchFamily="-128" charset="0"/>
                 <a:ea typeface="굴림" panose="020B0600000101010101" pitchFamily="50" charset="-127"/>
               </a:rPr>
-              <a:t>Be Open to the Future </a:t>
-            </a:r>
-            <a:r>
-              <a:rPr lang="en-US" altLang="ko-KR">
-                <a:solidFill>
-                  <a:srgbClr val="000000"/>
-                </a:solidFill>
-                <a:latin typeface="Palatino" pitchFamily="-128" charset="0"/>
-                <a:ea typeface="굴림" panose="020B0600000101010101" pitchFamily="50" charset="-127"/>
-              </a:rPr>
-              <a:t> </a:t>
-            </a:r>
+              <a:t>– someone else will have to understand what you are doing  </a:t>
+            </a:r>
+            <a:endParaRPr lang="en-US" altLang="ko-KR" i="1" dirty="0">
+              <a:solidFill>
+                <a:srgbClr val="000000"/>
+              </a:solidFill>
+              <a:latin typeface="Palatino" pitchFamily="-128" charset="0"/>
+              <a:ea typeface="굴림" panose="020B0600000101010101" pitchFamily="50" charset="-127"/>
+            </a:endParaRPr>
           </a:p>
           <a:p>
             <a:pPr eaLnBrk="1" hangingPunct="1">
@@ -18198,21 +18264,24 @@
               </a:spcBef>
             </a:pPr>
             <a:r>
-              <a:rPr lang="en-US" altLang="ko-KR">
+              <a:rPr lang="en-US" altLang="ko-KR" dirty="0">
+                <a:solidFill>
+                  <a:srgbClr val="000000"/>
+                </a:solidFill>
                 <a:latin typeface="Palatino" pitchFamily="-128" charset="0"/>
                 <a:ea typeface="굴림" panose="020B0600000101010101" pitchFamily="50" charset="-127"/>
               </a:rPr>
-              <a:t>6: </a:t>
-            </a:r>
-            <a:r>
-              <a:rPr lang="en-US" altLang="ko-KR" i="1">
+              <a:t>5: Be Open to the Future  </a:t>
+            </a:r>
+            <a:r>
+              <a:rPr lang="en-US" altLang="ko-KR" sz="2000" i="1" dirty="0">
                 <a:solidFill>
                   <a:srgbClr val="000000"/>
                 </a:solidFill>
                 <a:latin typeface="Palatino" pitchFamily="-128" charset="0"/>
                 <a:ea typeface="굴림" panose="020B0600000101010101" pitchFamily="50" charset="-127"/>
               </a:rPr>
-              <a:t>Plan Ahead for Reuse</a:t>
+              <a:t>- never design yourself into a corner. Always ask “what if”</a:t>
             </a:r>
           </a:p>
           <a:p>
@@ -18222,26 +18291,87 @@
               </a:spcBef>
             </a:pPr>
             <a:r>
-              <a:rPr lang="en-US" altLang="ko-KR">
-                <a:solidFill>
-                  <a:srgbClr val="000000"/>
-                </a:solidFill>
+              <a:rPr lang="en-US" altLang="ko-KR" dirty="0">
                 <a:latin typeface="Palatino" pitchFamily="-128" charset="0"/>
                 <a:ea typeface="굴림" panose="020B0600000101010101" pitchFamily="50" charset="-127"/>
               </a:rPr>
-              <a:t>7</a:t>
-            </a:r>
-            <a:r>
-              <a:rPr lang="en-US" altLang="ko-KR" i="1">
+              <a:t>6: </a:t>
+            </a:r>
+            <a:r>
+              <a:rPr lang="en-US" altLang="ko-KR" dirty="0">
                 <a:solidFill>
                   <a:srgbClr val="000000"/>
                 </a:solidFill>
                 <a:latin typeface="Palatino" pitchFamily="-128" charset="0"/>
                 <a:ea typeface="굴림" panose="020B0600000101010101" pitchFamily="50" charset="-127"/>
               </a:rPr>
-              <a:t>: Think!</a:t>
-            </a:r>
-            <a:endParaRPr lang="en-US" altLang="ko-KR" b="1" i="1">
+              <a:t>Plan Ahead for Reuse </a:t>
+            </a:r>
+            <a:r>
+              <a:rPr lang="en-US" altLang="ko-KR" sz="2000" dirty="0">
+                <a:solidFill>
+                  <a:srgbClr val="000000"/>
+                </a:solidFill>
+                <a:latin typeface="Palatino" pitchFamily="-128" charset="0"/>
+                <a:ea typeface="굴림" panose="020B0600000101010101" pitchFamily="50" charset="-127"/>
+              </a:rPr>
+              <a:t>– </a:t>
+            </a:r>
+            <a:r>
+              <a:rPr lang="en-US" altLang="ko-KR" sz="2000" i="1" dirty="0">
+                <a:solidFill>
+                  <a:srgbClr val="000000"/>
+                </a:solidFill>
+                <a:latin typeface="Palatino" pitchFamily="-128" charset="0"/>
+                <a:ea typeface="굴림" panose="020B0600000101010101" pitchFamily="50" charset="-127"/>
+              </a:rPr>
+              <a:t>achieving a high level of reuse is arguably the hardest goal</a:t>
+            </a:r>
+            <a:endParaRPr lang="en-US" altLang="ko-KR" i="1" dirty="0">
+              <a:solidFill>
+                <a:srgbClr val="000000"/>
+              </a:solidFill>
+              <a:latin typeface="Palatino" pitchFamily="-128" charset="0"/>
+              <a:ea typeface="굴림" panose="020B0600000101010101" pitchFamily="50" charset="-127"/>
+            </a:endParaRPr>
+          </a:p>
+          <a:p>
+            <a:pPr eaLnBrk="1" hangingPunct="1">
+              <a:spcBef>
+                <a:spcPts val="533"/>
+              </a:spcBef>
+            </a:pPr>
+            <a:r>
+              <a:rPr lang="en-US" altLang="ko-KR" dirty="0">
+                <a:solidFill>
+                  <a:srgbClr val="000000"/>
+                </a:solidFill>
+                <a:latin typeface="Palatino" pitchFamily="-128" charset="0"/>
+                <a:ea typeface="굴림" panose="020B0600000101010101" pitchFamily="50" charset="-127"/>
+              </a:rPr>
+              <a:t>7: Think! </a:t>
+            </a:r>
+            <a:r>
+              <a:rPr lang="en-US" altLang="ko-KR" sz="2000" dirty="0">
+                <a:solidFill>
+                  <a:srgbClr val="000000"/>
+                </a:solidFill>
+                <a:latin typeface="Palatino" pitchFamily="-128" charset="0"/>
+                <a:ea typeface="굴림" panose="020B0600000101010101" pitchFamily="50" charset="-127"/>
+              </a:rPr>
+              <a:t>– </a:t>
+            </a:r>
+            <a:r>
+              <a:rPr lang="en-US" altLang="ko-KR" sz="2000" i="1" dirty="0">
+                <a:solidFill>
+                  <a:srgbClr val="000000"/>
+                </a:solidFill>
+                <a:latin typeface="Palatino" pitchFamily="-128" charset="0"/>
+                <a:ea typeface="굴림" panose="020B0600000101010101" pitchFamily="50" charset="-127"/>
+              </a:rPr>
+              <a:t>placing clear, complete thought before action</a:t>
+            </a:r>
+            <a:endParaRPr lang="en-US" altLang="ko-KR" b="1" i="1" dirty="0">
               <a:solidFill>
                 <a:srgbClr val="000000"/>
               </a:solidFill>
@@ -19061,7 +19191,7 @@
                 <a:ea typeface="굴림" pitchFamily="50" charset="-127"/>
                 <a:cs typeface="Arial" pitchFamily="34" charset="0"/>
               </a:rPr>
-              <a:t>     of a small matchbook. We can attach it to sensors of all kinds, a digital camera, just about anything. Using the 802.11 b wireless protocol. It allows us to access the device's output without wires. We think it'll lead to a whole new generation of products.</a:t>
+              <a:t>     of a small matchbook. We can attach it to sensors of all kinds, a digital camera, just about anything. Using the 802.11 n wireless protocol. It allows us to access the device's output without wires. We think it'll lead to a whole new generation of products.</a:t>
             </a:r>
             <a:endParaRPr lang="ko-KR" altLang="en-US" b="0" dirty="0">
               <a:solidFill>
@@ -19524,7 +19654,7 @@
               </a:rPr>
               <a:t>Engineering's done a technical feasibility study of this idea, Joe. It's doable at low manufacturing cost. Most hardware is off the shelf. Software is an issue, but it's nothing that we can't do.</a:t>
             </a:r>
-            <a:endParaRPr lang="ko-KR" altLang="en-US" b="0">
+            <a:endParaRPr lang="ko-KR" altLang="en-US" b="0" dirty="0">
               <a:solidFill>
                 <a:srgbClr val="002060"/>
               </a:solidFill>
@@ -19658,10 +19788,10 @@
                 <a:ea typeface="굴림" pitchFamily="50" charset="-127"/>
                 <a:cs typeface="Arial" charset="0"/>
               </a:rPr>
-              <a:t>PCs have penetrated 70 percent of all households in the USA. If we could price this thing right, it could be a killer-app. Nobody else has our wireless box--it's proprietary. We'll have a two-year jump on the competition. Revenue? Maybe as much as </a:t>
-            </a:r>
-            <a:r>
-              <a:rPr lang="en-US" altLang="ko-KR" b="0" u="sng" dirty="0">
+              <a:t>PCs have penetrated 70 percent of all households in the USA. If we could price this thing right, it could be a killer-app. Nobody else has our wireless box--it's proprietary. We'll have </a:t>
+            </a:r>
+            <a:r>
+              <a:rPr lang="en-US" altLang="ko-KR" b="0">
                 <a:solidFill>
                   <a:srgbClr val="002060"/>
                 </a:solidFill>
@@ -19669,7 +19799,7 @@
                 <a:ea typeface="굴림" pitchFamily="50" charset="-127"/>
                 <a:cs typeface="Arial" charset="0"/>
               </a:rPr>
-              <a:t>$30-40 million </a:t>
+              <a:t>a 2-year </a:t>
             </a:r>
             <a:r>
               <a:rPr lang="en-US" altLang="ko-KR" b="0" dirty="0">
@@ -19680,9 +19810,31 @@
                 <a:ea typeface="굴림" pitchFamily="50" charset="-127"/>
                 <a:cs typeface="Arial" charset="0"/>
               </a:rPr>
+              <a:t>jump on the competition. Revenue? Maybe as much as </a:t>
+            </a:r>
+            <a:r>
+              <a:rPr lang="en-US" altLang="ko-KR" b="0" u="sng" dirty="0">
+                <a:solidFill>
+                  <a:srgbClr val="002060"/>
+                </a:solidFill>
+                <a:latin typeface="Arial" charset="0"/>
+                <a:ea typeface="굴림" pitchFamily="50" charset="-127"/>
+                <a:cs typeface="Arial" charset="0"/>
+              </a:rPr>
+              <a:t>$30-40 million </a:t>
+            </a:r>
+            <a:r>
+              <a:rPr lang="en-US" altLang="ko-KR" b="0" dirty="0">
+                <a:solidFill>
+                  <a:srgbClr val="002060"/>
+                </a:solidFill>
+                <a:latin typeface="Arial" charset="0"/>
+                <a:ea typeface="굴림" pitchFamily="50" charset="-127"/>
+                <a:cs typeface="Arial" charset="0"/>
+              </a:rPr>
               <a:t>in the second year.</a:t>
             </a:r>
-            <a:endParaRPr lang="ko-KR" altLang="en-US" b="0">
+            <a:endParaRPr lang="ko-KR" altLang="en-US" b="0" dirty="0">
               <a:solidFill>
                 <a:srgbClr val="002060"/>
               </a:solidFill>
@@ -19739,7 +19891,7 @@
               </a:rPr>
               <a:t>Let's take this to the next level. I'm interested.</a:t>
             </a:r>
-            <a:endParaRPr lang="ko-KR" altLang="en-US" b="0">
+            <a:endParaRPr lang="ko-KR" altLang="en-US" b="0" dirty="0">
               <a:solidFill>
                 <a:srgbClr val="002060"/>
               </a:solidFill>
